--- a/8-Replication Set & Replication Controller/Replication and Replica Set.pptx
+++ b/8-Replication Set & Replication Controller/Replication and Replica Set.pptx
@@ -12,6 +12,7 @@
     <p:sldId id="260" r:id="rId6"/>
     <p:sldId id="261" r:id="rId7"/>
     <p:sldId id="262" r:id="rId8"/>
+    <p:sldId id="269" r:id="rId9"/>
   </p:sldIdLst>
   <p:sldSz cx="12192000" cy="6858000"/>
   <p:notesSz cx="6858000" cy="9144000"/>
@@ -160,7 +161,7 @@
           </a:lstStyle>
           <a:p>
             <a:r>
-              <a:rPr lang="en-US" smtClean="0"/>
+              <a:rPr lang="en-US"/>
               <a:t>Click to edit Master title style</a:t>
             </a:r>
             <a:endParaRPr lang="en-SG"/>
@@ -225,7 +226,7 @@
           </a:lstStyle>
           <a:p>
             <a:r>
-              <a:rPr lang="en-US" smtClean="0"/>
+              <a:rPr lang="en-US"/>
               <a:t>Click to edit Master subtitle style</a:t>
             </a:r>
             <a:endParaRPr lang="en-SG"/>
@@ -249,7 +250,7 @@
           <a:p>
             <a:fld id="{51311A1C-1BA1-48C3-841B-5D49BE60BFA2}" type="datetimeFigureOut">
               <a:rPr lang="en-SG" smtClean="0"/>
-              <a:t>21/10/2018</a:t>
+              <a:t>22/10/2018</a:t>
             </a:fld>
             <a:endParaRPr lang="en-SG"/>
           </a:p>
@@ -343,7 +344,7 @@
           <a:lstStyle/>
           <a:p>
             <a:r>
-              <a:rPr lang="en-US" smtClean="0"/>
+              <a:rPr lang="en-US"/>
               <a:t>Click to edit Master title style</a:t>
             </a:r>
             <a:endParaRPr lang="en-SG"/>
@@ -367,35 +368,35 @@
           <a:p>
             <a:pPr lvl="0"/>
             <a:r>
-              <a:rPr lang="en-US" smtClean="0"/>
+              <a:rPr lang="en-US"/>
               <a:t>Click to edit Master text styles</a:t>
             </a:r>
           </a:p>
           <a:p>
             <a:pPr lvl="1"/>
             <a:r>
-              <a:rPr lang="en-US" smtClean="0"/>
+              <a:rPr lang="en-US"/>
               <a:t>Second level</a:t>
             </a:r>
           </a:p>
           <a:p>
             <a:pPr lvl="2"/>
             <a:r>
-              <a:rPr lang="en-US" smtClean="0"/>
+              <a:rPr lang="en-US"/>
               <a:t>Third level</a:t>
             </a:r>
           </a:p>
           <a:p>
             <a:pPr lvl="3"/>
             <a:r>
-              <a:rPr lang="en-US" smtClean="0"/>
+              <a:rPr lang="en-US"/>
               <a:t>Fourth level</a:t>
             </a:r>
           </a:p>
           <a:p>
             <a:pPr lvl="4"/>
             <a:r>
-              <a:rPr lang="en-US" smtClean="0"/>
+              <a:rPr lang="en-US"/>
               <a:t>Fifth level</a:t>
             </a:r>
             <a:endParaRPr lang="en-SG"/>
@@ -419,7 +420,7 @@
           <a:p>
             <a:fld id="{51311A1C-1BA1-48C3-841B-5D49BE60BFA2}" type="datetimeFigureOut">
               <a:rPr lang="en-SG" smtClean="0"/>
-              <a:t>21/10/2018</a:t>
+              <a:t>22/10/2018</a:t>
             </a:fld>
             <a:endParaRPr lang="en-SG"/>
           </a:p>
@@ -518,7 +519,7 @@
           <a:lstStyle/>
           <a:p>
             <a:r>
-              <a:rPr lang="en-US" smtClean="0"/>
+              <a:rPr lang="en-US"/>
               <a:t>Click to edit Master title style</a:t>
             </a:r>
             <a:endParaRPr lang="en-SG"/>
@@ -547,35 +548,35 @@
           <a:p>
             <a:pPr lvl="0"/>
             <a:r>
-              <a:rPr lang="en-US" smtClean="0"/>
+              <a:rPr lang="en-US"/>
               <a:t>Click to edit Master text styles</a:t>
             </a:r>
           </a:p>
           <a:p>
             <a:pPr lvl="1"/>
             <a:r>
-              <a:rPr lang="en-US" smtClean="0"/>
+              <a:rPr lang="en-US"/>
               <a:t>Second level</a:t>
             </a:r>
           </a:p>
           <a:p>
             <a:pPr lvl="2"/>
             <a:r>
-              <a:rPr lang="en-US" smtClean="0"/>
+              <a:rPr lang="en-US"/>
               <a:t>Third level</a:t>
             </a:r>
           </a:p>
           <a:p>
             <a:pPr lvl="3"/>
             <a:r>
-              <a:rPr lang="en-US" smtClean="0"/>
+              <a:rPr lang="en-US"/>
               <a:t>Fourth level</a:t>
             </a:r>
           </a:p>
           <a:p>
             <a:pPr lvl="4"/>
             <a:r>
-              <a:rPr lang="en-US" smtClean="0"/>
+              <a:rPr lang="en-US"/>
               <a:t>Fifth level</a:t>
             </a:r>
             <a:endParaRPr lang="en-SG"/>
@@ -599,7 +600,7 @@
           <a:p>
             <a:fld id="{51311A1C-1BA1-48C3-841B-5D49BE60BFA2}" type="datetimeFigureOut">
               <a:rPr lang="en-SG" smtClean="0"/>
-              <a:t>21/10/2018</a:t>
+              <a:t>22/10/2018</a:t>
             </a:fld>
             <a:endParaRPr lang="en-SG"/>
           </a:p>
@@ -693,7 +694,7 @@
           <a:lstStyle/>
           <a:p>
             <a:r>
-              <a:rPr lang="en-US" smtClean="0"/>
+              <a:rPr lang="en-US"/>
               <a:t>Click to edit Master title style</a:t>
             </a:r>
             <a:endParaRPr lang="en-SG"/>
@@ -717,35 +718,35 @@
           <a:p>
             <a:pPr lvl="0"/>
             <a:r>
-              <a:rPr lang="en-US" smtClean="0"/>
+              <a:rPr lang="en-US"/>
               <a:t>Click to edit Master text styles</a:t>
             </a:r>
           </a:p>
           <a:p>
             <a:pPr lvl="1"/>
             <a:r>
-              <a:rPr lang="en-US" smtClean="0"/>
+              <a:rPr lang="en-US"/>
               <a:t>Second level</a:t>
             </a:r>
           </a:p>
           <a:p>
             <a:pPr lvl="2"/>
             <a:r>
-              <a:rPr lang="en-US" smtClean="0"/>
+              <a:rPr lang="en-US"/>
               <a:t>Third level</a:t>
             </a:r>
           </a:p>
           <a:p>
             <a:pPr lvl="3"/>
             <a:r>
-              <a:rPr lang="en-US" smtClean="0"/>
+              <a:rPr lang="en-US"/>
               <a:t>Fourth level</a:t>
             </a:r>
           </a:p>
           <a:p>
             <a:pPr lvl="4"/>
             <a:r>
-              <a:rPr lang="en-US" smtClean="0"/>
+              <a:rPr lang="en-US"/>
               <a:t>Fifth level</a:t>
             </a:r>
             <a:endParaRPr lang="en-SG"/>
@@ -769,7 +770,7 @@
           <a:p>
             <a:fld id="{51311A1C-1BA1-48C3-841B-5D49BE60BFA2}" type="datetimeFigureOut">
               <a:rPr lang="en-SG" smtClean="0"/>
-              <a:t>21/10/2018</a:t>
+              <a:t>22/10/2018</a:t>
             </a:fld>
             <a:endParaRPr lang="en-SG"/>
           </a:p>
@@ -872,7 +873,7 @@
           </a:lstStyle>
           <a:p>
             <a:r>
-              <a:rPr lang="en-US" smtClean="0"/>
+              <a:rPr lang="en-US"/>
               <a:t>Click to edit Master title style</a:t>
             </a:r>
             <a:endParaRPr lang="en-SG"/>
@@ -992,7 +993,7 @@
           <a:p>
             <a:pPr lvl="0"/>
             <a:r>
-              <a:rPr lang="en-US" smtClean="0"/>
+              <a:rPr lang="en-US"/>
               <a:t>Click to edit Master text styles</a:t>
             </a:r>
           </a:p>
@@ -1015,7 +1016,7 @@
           <a:p>
             <a:fld id="{51311A1C-1BA1-48C3-841B-5D49BE60BFA2}" type="datetimeFigureOut">
               <a:rPr lang="en-SG" smtClean="0"/>
-              <a:t>21/10/2018</a:t>
+              <a:t>22/10/2018</a:t>
             </a:fld>
             <a:endParaRPr lang="en-SG"/>
           </a:p>
@@ -1109,7 +1110,7 @@
           <a:lstStyle/>
           <a:p>
             <a:r>
-              <a:rPr lang="en-US" smtClean="0"/>
+              <a:rPr lang="en-US"/>
               <a:t>Click to edit Master title style</a:t>
             </a:r>
             <a:endParaRPr lang="en-SG"/>
@@ -1138,35 +1139,35 @@
           <a:p>
             <a:pPr lvl="0"/>
             <a:r>
-              <a:rPr lang="en-US" smtClean="0"/>
+              <a:rPr lang="en-US"/>
               <a:t>Click to edit Master text styles</a:t>
             </a:r>
           </a:p>
           <a:p>
             <a:pPr lvl="1"/>
             <a:r>
-              <a:rPr lang="en-US" smtClean="0"/>
+              <a:rPr lang="en-US"/>
               <a:t>Second level</a:t>
             </a:r>
           </a:p>
           <a:p>
             <a:pPr lvl="2"/>
             <a:r>
-              <a:rPr lang="en-US" smtClean="0"/>
+              <a:rPr lang="en-US"/>
               <a:t>Third level</a:t>
             </a:r>
           </a:p>
           <a:p>
             <a:pPr lvl="3"/>
             <a:r>
-              <a:rPr lang="en-US" smtClean="0"/>
+              <a:rPr lang="en-US"/>
               <a:t>Fourth level</a:t>
             </a:r>
           </a:p>
           <a:p>
             <a:pPr lvl="4"/>
             <a:r>
-              <a:rPr lang="en-US" smtClean="0"/>
+              <a:rPr lang="en-US"/>
               <a:t>Fifth level</a:t>
             </a:r>
             <a:endParaRPr lang="en-SG"/>
@@ -1195,35 +1196,35 @@
           <a:p>
             <a:pPr lvl="0"/>
             <a:r>
-              <a:rPr lang="en-US" smtClean="0"/>
+              <a:rPr lang="en-US"/>
               <a:t>Click to edit Master text styles</a:t>
             </a:r>
           </a:p>
           <a:p>
             <a:pPr lvl="1"/>
             <a:r>
-              <a:rPr lang="en-US" smtClean="0"/>
+              <a:rPr lang="en-US"/>
               <a:t>Second level</a:t>
             </a:r>
           </a:p>
           <a:p>
             <a:pPr lvl="2"/>
             <a:r>
-              <a:rPr lang="en-US" smtClean="0"/>
+              <a:rPr lang="en-US"/>
               <a:t>Third level</a:t>
             </a:r>
           </a:p>
           <a:p>
             <a:pPr lvl="3"/>
             <a:r>
-              <a:rPr lang="en-US" smtClean="0"/>
+              <a:rPr lang="en-US"/>
               <a:t>Fourth level</a:t>
             </a:r>
           </a:p>
           <a:p>
             <a:pPr lvl="4"/>
             <a:r>
-              <a:rPr lang="en-US" smtClean="0"/>
+              <a:rPr lang="en-US"/>
               <a:t>Fifth level</a:t>
             </a:r>
             <a:endParaRPr lang="en-SG"/>
@@ -1247,7 +1248,7 @@
           <a:p>
             <a:fld id="{51311A1C-1BA1-48C3-841B-5D49BE60BFA2}" type="datetimeFigureOut">
               <a:rPr lang="en-SG" smtClean="0"/>
-              <a:t>21/10/2018</a:t>
+              <a:t>22/10/2018</a:t>
             </a:fld>
             <a:endParaRPr lang="en-SG"/>
           </a:p>
@@ -1346,7 +1347,7 @@
           <a:lstStyle/>
           <a:p>
             <a:r>
-              <a:rPr lang="en-US" smtClean="0"/>
+              <a:rPr lang="en-US"/>
               <a:t>Click to edit Master title style</a:t>
             </a:r>
             <a:endParaRPr lang="en-SG"/>
@@ -1412,7 +1413,7 @@
           <a:p>
             <a:pPr lvl="0"/>
             <a:r>
-              <a:rPr lang="en-US" smtClean="0"/>
+              <a:rPr lang="en-US"/>
               <a:t>Click to edit Master text styles</a:t>
             </a:r>
           </a:p>
@@ -1440,35 +1441,35 @@
           <a:p>
             <a:pPr lvl="0"/>
             <a:r>
-              <a:rPr lang="en-US" smtClean="0"/>
+              <a:rPr lang="en-US"/>
               <a:t>Click to edit Master text styles</a:t>
             </a:r>
           </a:p>
           <a:p>
             <a:pPr lvl="1"/>
             <a:r>
-              <a:rPr lang="en-US" smtClean="0"/>
+              <a:rPr lang="en-US"/>
               <a:t>Second level</a:t>
             </a:r>
           </a:p>
           <a:p>
             <a:pPr lvl="2"/>
             <a:r>
-              <a:rPr lang="en-US" smtClean="0"/>
+              <a:rPr lang="en-US"/>
               <a:t>Third level</a:t>
             </a:r>
           </a:p>
           <a:p>
             <a:pPr lvl="3"/>
             <a:r>
-              <a:rPr lang="en-US" smtClean="0"/>
+              <a:rPr lang="en-US"/>
               <a:t>Fourth level</a:t>
             </a:r>
           </a:p>
           <a:p>
             <a:pPr lvl="4"/>
             <a:r>
-              <a:rPr lang="en-US" smtClean="0"/>
+              <a:rPr lang="en-US"/>
               <a:t>Fifth level</a:t>
             </a:r>
             <a:endParaRPr lang="en-SG"/>
@@ -1534,7 +1535,7 @@
           <a:p>
             <a:pPr lvl="0"/>
             <a:r>
-              <a:rPr lang="en-US" smtClean="0"/>
+              <a:rPr lang="en-US"/>
               <a:t>Click to edit Master text styles</a:t>
             </a:r>
           </a:p>
@@ -1562,35 +1563,35 @@
           <a:p>
             <a:pPr lvl="0"/>
             <a:r>
-              <a:rPr lang="en-US" smtClean="0"/>
+              <a:rPr lang="en-US"/>
               <a:t>Click to edit Master text styles</a:t>
             </a:r>
           </a:p>
           <a:p>
             <a:pPr lvl="1"/>
             <a:r>
-              <a:rPr lang="en-US" smtClean="0"/>
+              <a:rPr lang="en-US"/>
               <a:t>Second level</a:t>
             </a:r>
           </a:p>
           <a:p>
             <a:pPr lvl="2"/>
             <a:r>
-              <a:rPr lang="en-US" smtClean="0"/>
+              <a:rPr lang="en-US"/>
               <a:t>Third level</a:t>
             </a:r>
           </a:p>
           <a:p>
             <a:pPr lvl="3"/>
             <a:r>
-              <a:rPr lang="en-US" smtClean="0"/>
+              <a:rPr lang="en-US"/>
               <a:t>Fourth level</a:t>
             </a:r>
           </a:p>
           <a:p>
             <a:pPr lvl="4"/>
             <a:r>
-              <a:rPr lang="en-US" smtClean="0"/>
+              <a:rPr lang="en-US"/>
               <a:t>Fifth level</a:t>
             </a:r>
             <a:endParaRPr lang="en-SG"/>
@@ -1614,7 +1615,7 @@
           <a:p>
             <a:fld id="{51311A1C-1BA1-48C3-841B-5D49BE60BFA2}" type="datetimeFigureOut">
               <a:rPr lang="en-SG" smtClean="0"/>
-              <a:t>21/10/2018</a:t>
+              <a:t>22/10/2018</a:t>
             </a:fld>
             <a:endParaRPr lang="en-SG"/>
           </a:p>
@@ -1708,7 +1709,7 @@
           <a:lstStyle/>
           <a:p>
             <a:r>
-              <a:rPr lang="en-US" smtClean="0"/>
+              <a:rPr lang="en-US"/>
               <a:t>Click to edit Master title style</a:t>
             </a:r>
             <a:endParaRPr lang="en-SG"/>
@@ -1732,7 +1733,7 @@
           <a:p>
             <a:fld id="{51311A1C-1BA1-48C3-841B-5D49BE60BFA2}" type="datetimeFigureOut">
               <a:rPr lang="en-SG" smtClean="0"/>
-              <a:t>21/10/2018</a:t>
+              <a:t>22/10/2018</a:t>
             </a:fld>
             <a:endParaRPr lang="en-SG"/>
           </a:p>
@@ -1827,7 +1828,7 @@
           <a:p>
             <a:fld id="{51311A1C-1BA1-48C3-841B-5D49BE60BFA2}" type="datetimeFigureOut">
               <a:rPr lang="en-SG" smtClean="0"/>
-              <a:t>21/10/2018</a:t>
+              <a:t>22/10/2018</a:t>
             </a:fld>
             <a:endParaRPr lang="en-SG"/>
           </a:p>
@@ -1930,7 +1931,7 @@
           </a:lstStyle>
           <a:p>
             <a:r>
-              <a:rPr lang="en-US" smtClean="0"/>
+              <a:rPr lang="en-US"/>
               <a:t>Click to edit Master title style</a:t>
             </a:r>
             <a:endParaRPr lang="en-SG"/>
@@ -1987,35 +1988,35 @@
           <a:p>
             <a:pPr lvl="0"/>
             <a:r>
-              <a:rPr lang="en-US" smtClean="0"/>
+              <a:rPr lang="en-US"/>
               <a:t>Click to edit Master text styles</a:t>
             </a:r>
           </a:p>
           <a:p>
             <a:pPr lvl="1"/>
             <a:r>
-              <a:rPr lang="en-US" smtClean="0"/>
+              <a:rPr lang="en-US"/>
               <a:t>Second level</a:t>
             </a:r>
           </a:p>
           <a:p>
             <a:pPr lvl="2"/>
             <a:r>
-              <a:rPr lang="en-US" smtClean="0"/>
+              <a:rPr lang="en-US"/>
               <a:t>Third level</a:t>
             </a:r>
           </a:p>
           <a:p>
             <a:pPr lvl="3"/>
             <a:r>
-              <a:rPr lang="en-US" smtClean="0"/>
+              <a:rPr lang="en-US"/>
               <a:t>Fourth level</a:t>
             </a:r>
           </a:p>
           <a:p>
             <a:pPr lvl="4"/>
             <a:r>
-              <a:rPr lang="en-US" smtClean="0"/>
+              <a:rPr lang="en-US"/>
               <a:t>Fifth level</a:t>
             </a:r>
             <a:endParaRPr lang="en-SG"/>
@@ -2081,7 +2082,7 @@
           <a:p>
             <a:pPr lvl="0"/>
             <a:r>
-              <a:rPr lang="en-US" smtClean="0"/>
+              <a:rPr lang="en-US"/>
               <a:t>Click to edit Master text styles</a:t>
             </a:r>
           </a:p>
@@ -2104,7 +2105,7 @@
           <a:p>
             <a:fld id="{51311A1C-1BA1-48C3-841B-5D49BE60BFA2}" type="datetimeFigureOut">
               <a:rPr lang="en-SG" smtClean="0"/>
-              <a:t>21/10/2018</a:t>
+              <a:t>22/10/2018</a:t>
             </a:fld>
             <a:endParaRPr lang="en-SG"/>
           </a:p>
@@ -2207,7 +2208,7 @@
           </a:lstStyle>
           <a:p>
             <a:r>
-              <a:rPr lang="en-US" smtClean="0"/>
+              <a:rPr lang="en-US"/>
               <a:t>Click to edit Master title style</a:t>
             </a:r>
             <a:endParaRPr lang="en-SG"/>
@@ -2334,7 +2335,7 @@
           <a:p>
             <a:pPr lvl="0"/>
             <a:r>
-              <a:rPr lang="en-US" smtClean="0"/>
+              <a:rPr lang="en-US"/>
               <a:t>Click to edit Master text styles</a:t>
             </a:r>
           </a:p>
@@ -2357,7 +2358,7 @@
           <a:p>
             <a:fld id="{51311A1C-1BA1-48C3-841B-5D49BE60BFA2}" type="datetimeFigureOut">
               <a:rPr lang="en-SG" smtClean="0"/>
-              <a:t>21/10/2018</a:t>
+              <a:t>22/10/2018</a:t>
             </a:fld>
             <a:endParaRPr lang="en-SG"/>
           </a:p>
@@ -2466,7 +2467,7 @@
           <a:lstStyle/>
           <a:p>
             <a:r>
-              <a:rPr lang="en-US" smtClean="0"/>
+              <a:rPr lang="en-US"/>
               <a:t>Click to edit Master title style</a:t>
             </a:r>
             <a:endParaRPr lang="en-SG"/>
@@ -2500,35 +2501,35 @@
           <a:p>
             <a:pPr lvl="0"/>
             <a:r>
-              <a:rPr lang="en-US" smtClean="0"/>
+              <a:rPr lang="en-US"/>
               <a:t>Click to edit Master text styles</a:t>
             </a:r>
           </a:p>
           <a:p>
             <a:pPr lvl="1"/>
             <a:r>
-              <a:rPr lang="en-US" smtClean="0"/>
+              <a:rPr lang="en-US"/>
               <a:t>Second level</a:t>
             </a:r>
           </a:p>
           <a:p>
             <a:pPr lvl="2"/>
             <a:r>
-              <a:rPr lang="en-US" smtClean="0"/>
+              <a:rPr lang="en-US"/>
               <a:t>Third level</a:t>
             </a:r>
           </a:p>
           <a:p>
             <a:pPr lvl="3"/>
             <a:r>
-              <a:rPr lang="en-US" smtClean="0"/>
+              <a:rPr lang="en-US"/>
               <a:t>Fourth level</a:t>
             </a:r>
           </a:p>
           <a:p>
             <a:pPr lvl="4"/>
             <a:r>
-              <a:rPr lang="en-US" smtClean="0"/>
+              <a:rPr lang="en-US"/>
               <a:t>Fifth level</a:t>
             </a:r>
             <a:endParaRPr lang="en-SG"/>
@@ -2570,7 +2571,7 @@
           <a:p>
             <a:fld id="{51311A1C-1BA1-48C3-841B-5D49BE60BFA2}" type="datetimeFigureOut">
               <a:rPr lang="en-SG" smtClean="0"/>
-              <a:t>21/10/2018</a:t>
+              <a:t>22/10/2018</a:t>
             </a:fld>
             <a:endParaRPr lang="en-SG"/>
           </a:p>
@@ -2999,6 +3000,54 @@
           </a:prstGeom>
         </p:spPr>
       </p:pic>
+      <p:pic>
+        <p:nvPicPr>
+          <p:cNvPr id="3" name="Picture 3" descr="Image result for kubernetes">
+            <a:hlinkClick r:id="rId3"/>
+            <a:extLst>
+              <a:ext uri="{FF2B5EF4-FFF2-40B4-BE49-F238E27FC236}">
+                <a16:creationId xmlns:a16="http://schemas.microsoft.com/office/drawing/2014/main" id="{0E2F82D3-9D5D-4FA4-827B-CB41B6A93737}"/>
+              </a:ext>
+            </a:extLst>
+          </p:cNvPr>
+          <p:cNvPicPr>
+            <a:picLocks noChangeAspect="1" noChangeArrowheads="1"/>
+          </p:cNvPicPr>
+          <p:nvPr/>
+        </p:nvPicPr>
+        <p:blipFill>
+          <a:blip r:embed="rId4">
+            <a:extLst>
+              <a:ext uri="{28A0092B-C50C-407E-A947-70E740481C1C}">
+                <a14:useLocalDpi xmlns:a14="http://schemas.microsoft.com/office/drawing/2010/main" val="0"/>
+              </a:ext>
+            </a:extLst>
+          </a:blip>
+          <a:srcRect/>
+          <a:stretch>
+            <a:fillRect/>
+          </a:stretch>
+        </p:blipFill>
+        <p:spPr bwMode="auto">
+          <a:xfrm>
+            <a:off x="9837206" y="76480"/>
+            <a:ext cx="1990725" cy="1943100"/>
+          </a:xfrm>
+          <a:prstGeom prst="rect">
+            <a:avLst/>
+          </a:prstGeom>
+          <a:noFill/>
+          <a:extLst>
+            <a:ext uri="{909E8E84-426E-40DD-AFC4-6F175D3DCCD1}">
+              <a14:hiddenFill xmlns:a14="http://schemas.microsoft.com/office/drawing/2010/main">
+                <a:solidFill>
+                  <a:srgbClr val="FFFFFF"/>
+                </a:solidFill>
+              </a14:hiddenFill>
+            </a:ext>
+          </a:extLst>
+        </p:spPr>
+      </p:pic>
     </p:spTree>
     <p:extLst>
       <p:ext uri="{BB962C8B-B14F-4D97-AF65-F5344CB8AC3E}">
@@ -3045,12 +3094,60 @@
         </p:blipFill>
         <p:spPr>
           <a:xfrm>
-            <a:off x="744991" y="206420"/>
-            <a:ext cx="10959329" cy="7209803"/>
+            <a:off x="804427" y="-77821"/>
+            <a:ext cx="9897944" cy="6511551"/>
           </a:xfrm>
           <a:prstGeom prst="rect">
             <a:avLst/>
           </a:prstGeom>
+        </p:spPr>
+      </p:pic>
+      <p:pic>
+        <p:nvPicPr>
+          <p:cNvPr id="3" name="Picture 3" descr="Image result for kubernetes">
+            <a:hlinkClick r:id="rId3"/>
+            <a:extLst>
+              <a:ext uri="{FF2B5EF4-FFF2-40B4-BE49-F238E27FC236}">
+                <a16:creationId xmlns:a16="http://schemas.microsoft.com/office/drawing/2014/main" id="{2958AE7D-A8F7-4E03-8764-812B8B996CF0}"/>
+              </a:ext>
+            </a:extLst>
+          </p:cNvPr>
+          <p:cNvPicPr>
+            <a:picLocks noChangeAspect="1" noChangeArrowheads="1"/>
+          </p:cNvPicPr>
+          <p:nvPr/>
+        </p:nvPicPr>
+        <p:blipFill>
+          <a:blip r:embed="rId4">
+            <a:extLst>
+              <a:ext uri="{28A0092B-C50C-407E-A947-70E740481C1C}">
+                <a14:useLocalDpi xmlns:a14="http://schemas.microsoft.com/office/drawing/2010/main" val="0"/>
+              </a:ext>
+            </a:extLst>
+          </a:blip>
+          <a:srcRect/>
+          <a:stretch>
+            <a:fillRect/>
+          </a:stretch>
+        </p:blipFill>
+        <p:spPr bwMode="auto">
+          <a:xfrm>
+            <a:off x="10002576" y="4823578"/>
+            <a:ext cx="1990725" cy="1943100"/>
+          </a:xfrm>
+          <a:prstGeom prst="rect">
+            <a:avLst/>
+          </a:prstGeom>
+          <a:noFill/>
+          <a:extLst>
+            <a:ext uri="{909E8E84-426E-40DD-AFC4-6F175D3DCCD1}">
+              <a14:hiddenFill xmlns:a14="http://schemas.microsoft.com/office/drawing/2010/main">
+                <a:solidFill>
+                  <a:srgbClr val="FFFFFF"/>
+                </a:solidFill>
+              </a14:hiddenFill>
+            </a:ext>
+          </a:extLst>
         </p:spPr>
       </p:pic>
     </p:spTree>
@@ -3104,7 +3201,7 @@
           <a:lstStyle/>
           <a:p>
             <a:r>
-              <a:rPr lang="en-US" dirty="0" smtClean="0"/>
+              <a:rPr lang="en-US" dirty="0"/>
               <a:t>Replication Controller</a:t>
             </a:r>
             <a:endParaRPr lang="en-SG" dirty="0"/>
@@ -3135,6 +3232,54 @@
           <a:prstGeom prst="rect">
             <a:avLst/>
           </a:prstGeom>
+        </p:spPr>
+      </p:pic>
+      <p:pic>
+        <p:nvPicPr>
+          <p:cNvPr id="5" name="Picture 3" descr="Image result for kubernetes">
+            <a:hlinkClick r:id="rId3"/>
+            <a:extLst>
+              <a:ext uri="{FF2B5EF4-FFF2-40B4-BE49-F238E27FC236}">
+                <a16:creationId xmlns:a16="http://schemas.microsoft.com/office/drawing/2014/main" id="{F1054887-D4A8-4B47-B4EF-14016DD5C976}"/>
+              </a:ext>
+            </a:extLst>
+          </p:cNvPr>
+          <p:cNvPicPr>
+            <a:picLocks noChangeAspect="1" noChangeArrowheads="1"/>
+          </p:cNvPicPr>
+          <p:nvPr/>
+        </p:nvPicPr>
+        <p:blipFill>
+          <a:blip r:embed="rId4">
+            <a:extLst>
+              <a:ext uri="{28A0092B-C50C-407E-A947-70E740481C1C}">
+                <a14:useLocalDpi xmlns:a14="http://schemas.microsoft.com/office/drawing/2010/main" val="0"/>
+              </a:ext>
+            </a:extLst>
+          </a:blip>
+          <a:srcRect/>
+          <a:stretch>
+            <a:fillRect/>
+          </a:stretch>
+        </p:blipFill>
+        <p:spPr bwMode="auto">
+          <a:xfrm>
+            <a:off x="9835582" y="7021"/>
+            <a:ext cx="1990725" cy="1943100"/>
+          </a:xfrm>
+          <a:prstGeom prst="rect">
+            <a:avLst/>
+          </a:prstGeom>
+          <a:noFill/>
+          <a:extLst>
+            <a:ext uri="{909E8E84-426E-40DD-AFC4-6F175D3DCCD1}">
+              <a14:hiddenFill xmlns:a14="http://schemas.microsoft.com/office/drawing/2010/main">
+                <a:solidFill>
+                  <a:srgbClr val="FFFFFF"/>
+                </a:solidFill>
+              </a14:hiddenFill>
+            </a:ext>
+          </a:extLst>
         </p:spPr>
       </p:pic>
     </p:spTree>
@@ -3208,13 +3353,13 @@
         </p:nvSpPr>
         <p:spPr>
           <a:xfrm>
-            <a:off x="767475" y="1193800"/>
-            <a:ext cx="10657048" cy="3816429"/>
+            <a:off x="656281" y="1047885"/>
+            <a:ext cx="10098321" cy="4574702"/>
           </a:xfrm>
         </p:spPr>
         <p:txBody>
           <a:bodyPr>
-            <a:normAutofit lnSpcReduction="10000"/>
+            <a:normAutofit/>
           </a:bodyPr>
           <a:lstStyle/>
           <a:p>
@@ -3317,6 +3462,54 @@
           </a:p>
         </p:txBody>
       </p:sp>
+      <p:pic>
+        <p:nvPicPr>
+          <p:cNvPr id="5" name="Picture 3" descr="Image result for kubernetes">
+            <a:hlinkClick r:id="rId2"/>
+            <a:extLst>
+              <a:ext uri="{FF2B5EF4-FFF2-40B4-BE49-F238E27FC236}">
+                <a16:creationId xmlns:a16="http://schemas.microsoft.com/office/drawing/2014/main" id="{ED332236-B579-4CEC-9F8F-EFB9694C6C56}"/>
+              </a:ext>
+            </a:extLst>
+          </p:cNvPr>
+          <p:cNvPicPr>
+            <a:picLocks noChangeAspect="1" noChangeArrowheads="1"/>
+          </p:cNvPicPr>
+          <p:nvPr/>
+        </p:nvPicPr>
+        <p:blipFill>
+          <a:blip r:embed="rId3">
+            <a:extLst>
+              <a:ext uri="{28A0092B-C50C-407E-A947-70E740481C1C}">
+                <a14:useLocalDpi xmlns:a14="http://schemas.microsoft.com/office/drawing/2010/main" val="0"/>
+              </a:ext>
+            </a:extLst>
+          </a:blip>
+          <a:srcRect/>
+          <a:stretch>
+            <a:fillRect/>
+          </a:stretch>
+        </p:blipFill>
+        <p:spPr bwMode="auto">
+          <a:xfrm>
+            <a:off x="10002576" y="4823578"/>
+            <a:ext cx="1990725" cy="1943100"/>
+          </a:xfrm>
+          <a:prstGeom prst="rect">
+            <a:avLst/>
+          </a:prstGeom>
+          <a:noFill/>
+          <a:extLst>
+            <a:ext uri="{909E8E84-426E-40DD-AFC4-6F175D3DCCD1}">
+              <a14:hiddenFill xmlns:a14="http://schemas.microsoft.com/office/drawing/2010/main">
+                <a:solidFill>
+                  <a:srgbClr val="FFFFFF"/>
+                </a:solidFill>
+              </a14:hiddenFill>
+            </a:ext>
+          </a:extLst>
+        </p:spPr>
+      </p:pic>
     </p:spTree>
     <p:extLst>
       <p:ext uri="{BB962C8B-B14F-4D97-AF65-F5344CB8AC3E}">
@@ -3363,7 +3556,7 @@
           <a:lstStyle/>
           <a:p>
             <a:r>
-              <a:rPr lang="en-US" dirty="0" smtClean="0"/>
+              <a:rPr lang="en-US" dirty="0"/>
               <a:t>Replica Set</a:t>
             </a:r>
             <a:endParaRPr lang="en-SG" dirty="0"/>
@@ -3392,6 +3585,54 @@
           <a:prstGeom prst="rect">
             <a:avLst/>
           </a:prstGeom>
+        </p:spPr>
+      </p:pic>
+      <p:pic>
+        <p:nvPicPr>
+          <p:cNvPr id="5" name="Picture 3" descr="Image result for kubernetes">
+            <a:hlinkClick r:id="rId3"/>
+            <a:extLst>
+              <a:ext uri="{FF2B5EF4-FFF2-40B4-BE49-F238E27FC236}">
+                <a16:creationId xmlns:a16="http://schemas.microsoft.com/office/drawing/2014/main" id="{E1944E4B-02AB-4991-B0E0-808D8FFB8FBA}"/>
+              </a:ext>
+            </a:extLst>
+          </p:cNvPr>
+          <p:cNvPicPr>
+            <a:picLocks noChangeAspect="1" noChangeArrowheads="1"/>
+          </p:cNvPicPr>
+          <p:nvPr/>
+        </p:nvPicPr>
+        <p:blipFill>
+          <a:blip r:embed="rId4">
+            <a:extLst>
+              <a:ext uri="{28A0092B-C50C-407E-A947-70E740481C1C}">
+                <a14:useLocalDpi xmlns:a14="http://schemas.microsoft.com/office/drawing/2010/main" val="0"/>
+              </a:ext>
+            </a:extLst>
+          </a:blip>
+          <a:srcRect/>
+          <a:stretch>
+            <a:fillRect/>
+          </a:stretch>
+        </p:blipFill>
+        <p:spPr bwMode="auto">
+          <a:xfrm>
+            <a:off x="9934482" y="0"/>
+            <a:ext cx="1990725" cy="1943100"/>
+          </a:xfrm>
+          <a:prstGeom prst="rect">
+            <a:avLst/>
+          </a:prstGeom>
+          <a:noFill/>
+          <a:extLst>
+            <a:ext uri="{909E8E84-426E-40DD-AFC4-6F175D3DCCD1}">
+              <a14:hiddenFill xmlns:a14="http://schemas.microsoft.com/office/drawing/2010/main">
+                <a:solidFill>
+                  <a:srgbClr val="FFFFFF"/>
+                </a:solidFill>
+              </a14:hiddenFill>
+            </a:ext>
+          </a:extLst>
         </p:spPr>
       </p:pic>
     </p:spTree>
@@ -3440,7 +3681,7 @@
           <a:lstStyle/>
           <a:p>
             <a:r>
-              <a:rPr lang="en-US" b="1" dirty="0" smtClean="0"/>
+              <a:rPr lang="en-US" b="1" dirty="0"/>
               <a:t>Scaling Pods with Replication Controller</a:t>
             </a:r>
             <a:endParaRPr lang="en-SG" b="1" dirty="0"/>
@@ -3517,7 +3758,7 @@
           <a:lstStyle/>
           <a:p>
             <a:r>
-              <a:rPr lang="en-US" dirty="0" smtClean="0"/>
+              <a:rPr lang="en-US" dirty="0"/>
               <a:t>Demo</a:t>
             </a:r>
             <a:endParaRPr lang="en-SG" dirty="0"/>
@@ -3540,17 +3781,181 @@
           <a:lstStyle/>
           <a:p>
             <a:r>
-              <a:rPr lang="en-US" dirty="0" smtClean="0"/>
+              <a:rPr lang="en-US" dirty="0"/>
               <a:t>Scaling Pods with Replication Controller</a:t>
             </a:r>
             <a:endParaRPr lang="en-SG" dirty="0"/>
           </a:p>
         </p:txBody>
       </p:sp>
+      <p:pic>
+        <p:nvPicPr>
+          <p:cNvPr id="4" name="Picture 3" descr="Image result for kubernetes">
+            <a:hlinkClick r:id="rId2"/>
+            <a:extLst>
+              <a:ext uri="{FF2B5EF4-FFF2-40B4-BE49-F238E27FC236}">
+                <a16:creationId xmlns:a16="http://schemas.microsoft.com/office/drawing/2014/main" id="{503558E6-B143-4A2D-9DF0-CC70E233EB2D}"/>
+              </a:ext>
+            </a:extLst>
+          </p:cNvPr>
+          <p:cNvPicPr>
+            <a:picLocks noChangeAspect="1" noChangeArrowheads="1"/>
+          </p:cNvPicPr>
+          <p:nvPr/>
+        </p:nvPicPr>
+        <p:blipFill>
+          <a:blip r:embed="rId3">
+            <a:extLst>
+              <a:ext uri="{28A0092B-C50C-407E-A947-70E740481C1C}">
+                <a14:useLocalDpi xmlns:a14="http://schemas.microsoft.com/office/drawing/2010/main" val="0"/>
+              </a:ext>
+            </a:extLst>
+          </a:blip>
+          <a:srcRect/>
+          <a:stretch>
+            <a:fillRect/>
+          </a:stretch>
+        </p:blipFill>
+        <p:spPr bwMode="auto">
+          <a:xfrm>
+            <a:off x="10002576" y="4823578"/>
+            <a:ext cx="1990725" cy="1943100"/>
+          </a:xfrm>
+          <a:prstGeom prst="rect">
+            <a:avLst/>
+          </a:prstGeom>
+          <a:noFill/>
+          <a:extLst>
+            <a:ext uri="{909E8E84-426E-40DD-AFC4-6F175D3DCCD1}">
+              <a14:hiddenFill xmlns:a14="http://schemas.microsoft.com/office/drawing/2010/main">
+                <a:solidFill>
+                  <a:srgbClr val="FFFFFF"/>
+                </a:solidFill>
+              </a14:hiddenFill>
+            </a:ext>
+          </a:extLst>
+        </p:spPr>
+      </p:pic>
     </p:spTree>
     <p:extLst>
       <p:ext uri="{BB962C8B-B14F-4D97-AF65-F5344CB8AC3E}">
         <p14:creationId xmlns:p14="http://schemas.microsoft.com/office/powerpoint/2010/main" val="2235047799"/>
+      </p:ext>
+    </p:extLst>
+  </p:cSld>
+  <p:clrMapOvr>
+    <a:masterClrMapping/>
+  </p:clrMapOvr>
+</p:sld>
+</file>
+
+<file path=ppt/slides/slide8.xml><?xml version="1.0" encoding="utf-8"?>
+<p:sld xmlns:a="http://schemas.openxmlformats.org/drawingml/2006/main" xmlns:r="http://schemas.openxmlformats.org/officeDocument/2006/relationships" xmlns:p="http://schemas.openxmlformats.org/presentationml/2006/main">
+  <p:cSld>
+    <p:spTree>
+      <p:nvGrpSpPr>
+        <p:cNvPr id="1" name=""/>
+        <p:cNvGrpSpPr/>
+        <p:nvPr/>
+      </p:nvGrpSpPr>
+      <p:grpSpPr>
+        <a:xfrm>
+          <a:off x="0" y="0"/>
+          <a:ext cx="0" cy="0"/>
+          <a:chOff x="0" y="0"/>
+          <a:chExt cx="0" cy="0"/>
+        </a:xfrm>
+      </p:grpSpPr>
+      <p:pic>
+        <p:nvPicPr>
+          <p:cNvPr id="9" name="Content Placeholder 8">
+            <a:extLst>
+              <a:ext uri="{FF2B5EF4-FFF2-40B4-BE49-F238E27FC236}">
+                <a16:creationId xmlns:a16="http://schemas.microsoft.com/office/drawing/2014/main" id="{9CD919DF-6752-499B-9333-9022E3789C5D}"/>
+              </a:ext>
+            </a:extLst>
+          </p:cNvPr>
+          <p:cNvPicPr>
+            <a:picLocks noGrp="1" noChangeAspect="1"/>
+          </p:cNvPicPr>
+          <p:nvPr>
+            <p:ph idx="1"/>
+          </p:nvPr>
+        </p:nvPicPr>
+        <p:blipFill>
+          <a:blip r:embed="rId2">
+            <a:extLst>
+              <a:ext uri="{28A0092B-C50C-407E-A947-70E740481C1C}">
+                <a14:useLocalDpi xmlns:a14="http://schemas.microsoft.com/office/drawing/2010/main" val="0"/>
+              </a:ext>
+            </a:extLst>
+          </a:blip>
+          <a:stretch>
+            <a:fillRect/>
+          </a:stretch>
+        </p:blipFill>
+        <p:spPr>
+          <a:xfrm>
+            <a:off x="1120478" y="1193397"/>
+            <a:ext cx="7009396" cy="4465060"/>
+          </a:xfrm>
+          <a:prstGeom prst="rect">
+            <a:avLst/>
+          </a:prstGeom>
+        </p:spPr>
+      </p:pic>
+      <p:pic>
+        <p:nvPicPr>
+          <p:cNvPr id="3" name="Picture 3" descr="Image result for kubernetes">
+            <a:hlinkClick r:id="rId3"/>
+            <a:extLst>
+              <a:ext uri="{FF2B5EF4-FFF2-40B4-BE49-F238E27FC236}">
+                <a16:creationId xmlns:a16="http://schemas.microsoft.com/office/drawing/2014/main" id="{43D592DA-6AB4-4C5C-A5B0-A0B23D6CBF36}"/>
+              </a:ext>
+            </a:extLst>
+          </p:cNvPr>
+          <p:cNvPicPr>
+            <a:picLocks noChangeAspect="1" noChangeArrowheads="1"/>
+          </p:cNvPicPr>
+          <p:nvPr/>
+        </p:nvPicPr>
+        <p:blipFill>
+          <a:blip r:embed="rId4">
+            <a:extLst>
+              <a:ext uri="{28A0092B-C50C-407E-A947-70E740481C1C}">
+                <a14:useLocalDpi xmlns:a14="http://schemas.microsoft.com/office/drawing/2010/main" val="0"/>
+              </a:ext>
+            </a:extLst>
+          </a:blip>
+          <a:srcRect/>
+          <a:stretch>
+            <a:fillRect/>
+          </a:stretch>
+        </p:blipFill>
+        <p:spPr bwMode="auto">
+          <a:xfrm>
+            <a:off x="10002576" y="4823578"/>
+            <a:ext cx="1990725" cy="1943100"/>
+          </a:xfrm>
+          <a:prstGeom prst="rect">
+            <a:avLst/>
+          </a:prstGeom>
+          <a:noFill/>
+          <a:extLst>
+            <a:ext uri="{909E8E84-426E-40DD-AFC4-6F175D3DCCD1}">
+              <a14:hiddenFill xmlns:a14="http://schemas.microsoft.com/office/drawing/2010/main">
+                <a:solidFill>
+                  <a:srgbClr val="FFFFFF"/>
+                </a:solidFill>
+              </a14:hiddenFill>
+            </a:ext>
+          </a:extLst>
+        </p:spPr>
+      </p:pic>
+    </p:spTree>
+    <p:extLst>
+      <p:ext uri="{BB962C8B-B14F-4D97-AF65-F5344CB8AC3E}">
+        <p14:creationId xmlns:p14="http://schemas.microsoft.com/office/powerpoint/2010/main" val="1686405591"/>
       </p:ext>
     </p:extLst>
   </p:cSld>
